--- a/HT-1/Monopoly-BAC-09-Metamodelo.pptx
+++ b/HT-1/Monopoly-BAC-09-Metamodelo.pptx
@@ -213,7 +213,7 @@
           <a:p>
             <a:fld id="{C84E95E0-43A6-4D53-BDBE-E8A6E9BC4F1E}" type="datetimeFigureOut">
               <a:rPr lang="es-ES" smtClean="0"/>
-              <a:t>11/08/2022</a:t>
+              <a:t>13/08/2022</a:t>
             </a:fld>
             <a:endParaRPr lang="es-ES"/>
           </a:p>
@@ -2092,10 +2092,10 @@
       </p:sp>
       <p:pic>
         <p:nvPicPr>
-          <p:cNvPr id="16" name="Imagen 15">
+          <p:cNvPr id="6" name="Imagen 5">
             <a:extLst>
               <a:ext uri="{FF2B5EF4-FFF2-40B4-BE49-F238E27FC236}">
-                <a16:creationId xmlns:a16="http://schemas.microsoft.com/office/drawing/2014/main" id="{C5FC5FEB-93D7-F5FD-2BBF-251D3F0C28D6}"/>
+                <a16:creationId xmlns:a16="http://schemas.microsoft.com/office/drawing/2014/main" id="{063DDE12-063B-8843-6240-998AEA03EC71}"/>
               </a:ext>
             </a:extLst>
           </p:cNvPr>
@@ -2112,8 +2112,8 @@
         </p:blipFill>
         <p:spPr>
           <a:xfrm>
-            <a:off x="2899563" y="507713"/>
-            <a:ext cx="6392874" cy="5172228"/>
+            <a:off x="2441804" y="676776"/>
+            <a:ext cx="6151646" cy="4955492"/>
           </a:xfrm>
           <a:prstGeom prst="rect">
             <a:avLst/>

--- a/HT-1/Monopoly-BAC-09-Metamodelo.pptx
+++ b/HT-1/Monopoly-BAC-09-Metamodelo.pptx
@@ -213,7 +213,7 @@
           <a:p>
             <a:fld id="{C84E95E0-43A6-4D53-BDBE-E8A6E9BC4F1E}" type="datetimeFigureOut">
               <a:rPr lang="es-ES" smtClean="0"/>
-              <a:t>13/08/2022</a:t>
+              <a:t>17/08/2022</a:t>
             </a:fld>
             <a:endParaRPr lang="es-ES"/>
           </a:p>
@@ -2092,10 +2092,10 @@
       </p:sp>
       <p:pic>
         <p:nvPicPr>
-          <p:cNvPr id="6" name="Imagen 5">
+          <p:cNvPr id="3" name="Imagen 2">
             <a:extLst>
               <a:ext uri="{FF2B5EF4-FFF2-40B4-BE49-F238E27FC236}">
-                <a16:creationId xmlns:a16="http://schemas.microsoft.com/office/drawing/2014/main" id="{063DDE12-063B-8843-6240-998AEA03EC71}"/>
+                <a16:creationId xmlns:a16="http://schemas.microsoft.com/office/drawing/2014/main" id="{96BF37B3-91D7-5388-3C12-234F8978E145}"/>
               </a:ext>
             </a:extLst>
           </p:cNvPr>
@@ -2112,8 +2112,8 @@
         </p:blipFill>
         <p:spPr>
           <a:xfrm>
-            <a:off x="2441804" y="676776"/>
-            <a:ext cx="6151646" cy="4955492"/>
+            <a:off x="2669775" y="304899"/>
+            <a:ext cx="6697746" cy="5676056"/>
           </a:xfrm>
           <a:prstGeom prst="rect">
             <a:avLst/>
